--- a/Lessons/M_RecoEngine_Ethics/AssociationRules_CollaborativeFiltering.pptx
+++ b/Lessons/M_RecoEngine_Ethics/AssociationRules_CollaborativeFiltering.pptx
@@ -263,7 +263,7 @@
           <a:p>
             <a:fld id="{B0C0A60C-850A-4EA4-9C14-A8FE98B94505}" type="datetimeFigureOut">
               <a:rPr lang="en-US" smtClean="0"/>
-              <a:t>12/7/20</a:t>
+              <a:t>5/3/21</a:t>
             </a:fld>
             <a:endParaRPr lang="en-US"/>
           </a:p>
@@ -2647,7 +2647,7 @@
           <a:p>
             <a:fld id="{5738B90E-0779-4C36-915C-6F05FCD89456}" type="datetime1">
               <a:rPr lang="en-US" smtClean="0"/>
-              <a:t>12/7/20</a:t>
+              <a:t>5/3/21</a:t>
             </a:fld>
             <a:endParaRPr lang="en-US"/>
           </a:p>
@@ -2865,7 +2865,7 @@
           <a:p>
             <a:fld id="{7B9EA29D-D431-42FE-B7B6-AAE4454C77D3}" type="datetime1">
               <a:rPr lang="en-US" smtClean="0"/>
-              <a:t>12/7/20</a:t>
+              <a:t>5/3/21</a:t>
             </a:fld>
             <a:endParaRPr lang="en-US"/>
           </a:p>
@@ -3125,7 +3125,7 @@
           <a:p>
             <a:fld id="{690D8A1E-EA8F-46C1-B891-AE0C00D9C314}" type="datetime1">
               <a:rPr lang="en-US" smtClean="0"/>
-              <a:t>12/7/20</a:t>
+              <a:t>5/3/21</a:t>
             </a:fld>
             <a:endParaRPr lang="en-US"/>
           </a:p>
@@ -3641,7 +3641,7 @@
           <a:p>
             <a:fld id="{DAB365D0-5BFF-4591-B84D-8953AC9A16AD}" type="datetime1">
               <a:rPr lang="en-US" smtClean="0"/>
-              <a:t>12/7/20</a:t>
+              <a:t>5/3/21</a:t>
             </a:fld>
             <a:endParaRPr lang="en-US" dirty="0"/>
           </a:p>
@@ -3875,7 +3875,7 @@
           <a:p>
             <a:fld id="{D753EFC8-4232-4598-94F6-94C0EBAFC469}" type="datetime1">
               <a:rPr lang="en-US" smtClean="0"/>
-              <a:t>12/7/20</a:t>
+              <a:t>5/3/21</a:t>
             </a:fld>
             <a:endParaRPr lang="en-US"/>
           </a:p>
@@ -4190,7 +4190,7 @@
           <a:p>
             <a:fld id="{F3161074-1C18-4AE7-957D-F18524378C85}" type="datetime1">
               <a:rPr lang="en-US" smtClean="0"/>
-              <a:t>12/7/20</a:t>
+              <a:t>5/3/21</a:t>
             </a:fld>
             <a:endParaRPr lang="en-US"/>
           </a:p>
@@ -4464,7 +4464,7 @@
           <a:p>
             <a:fld id="{69BE256C-8D9A-4404-B47D-41A1AE514425}" type="datetime1">
               <a:rPr lang="en-US" smtClean="0"/>
-              <a:t>12/7/20</a:t>
+              <a:t>5/3/21</a:t>
             </a:fld>
             <a:endParaRPr lang="en-US"/>
           </a:p>
@@ -4898,7 +4898,7 @@
           <a:p>
             <a:fld id="{66CB2154-9035-4012-8189-BAAB61C5A5EE}" type="datetime1">
               <a:rPr lang="en-US" smtClean="0"/>
-              <a:t>12/7/20</a:t>
+              <a:t>5/3/21</a:t>
             </a:fld>
             <a:endParaRPr lang="en-US"/>
           </a:p>
@@ -5072,7 +5072,7 @@
           <a:p>
             <a:fld id="{6700A58B-DD98-43D0-B791-721480A02982}" type="datetime1">
               <a:rPr lang="en-US" smtClean="0"/>
-              <a:t>12/7/20</a:t>
+              <a:t>5/3/21</a:t>
             </a:fld>
             <a:endParaRPr lang="en-US"/>
           </a:p>
@@ -5264,7 +5264,7 @@
           <a:p>
             <a:fld id="{7DB6E382-4F61-4E24-BE1A-377EC83D0E3A}" type="datetime1">
               <a:rPr lang="en-US" smtClean="0"/>
-              <a:t>12/7/20</a:t>
+              <a:t>5/3/21</a:t>
             </a:fld>
             <a:endParaRPr lang="en-US"/>
           </a:p>
@@ -5575,7 +5575,7 @@
           <a:p>
             <a:fld id="{4142EED6-FC16-45B9-B8C4-2BC5DBA88325}" type="datetime1">
               <a:rPr lang="en-US" smtClean="0"/>
-              <a:t>12/7/20</a:t>
+              <a:t>5/3/21</a:t>
             </a:fld>
             <a:endParaRPr lang="en-US"/>
           </a:p>
@@ -5893,7 +5893,7 @@
           <a:p>
             <a:fld id="{DF59512B-4F1D-43D7-8819-2F53FEF69650}" type="datetime1">
               <a:rPr lang="en-US" smtClean="0"/>
-              <a:t>12/7/20</a:t>
+              <a:t>5/3/21</a:t>
             </a:fld>
             <a:endParaRPr lang="en-US"/>
           </a:p>
@@ -6169,7 +6169,7 @@
           <a:p>
             <a:fld id="{08437B94-E2BF-44DC-ADC5-B05FC9934E9D}" type="datetime1">
               <a:rPr lang="en-US" smtClean="0"/>
-              <a:t>12/7/20</a:t>
+              <a:t>5/3/21</a:t>
             </a:fld>
             <a:endParaRPr lang="en-US"/>
           </a:p>
@@ -6690,7 +6690,7 @@
           <a:p>
             <a:fld id="{5738B90E-0779-4C36-915C-6F05FCD89456}" type="datetime1">
               <a:rPr lang="en-US" smtClean="0"/>
-              <a:t>12/7/20</a:t>
+              <a:t>5/3/21</a:t>
             </a:fld>
             <a:endParaRPr lang="en-US"/>
           </a:p>
@@ -6800,7 +6800,7 @@
           <a:p>
             <a:fld id="{6700A58B-DD98-43D0-B791-721480A02982}" type="datetime1">
               <a:rPr lang="en-US" smtClean="0"/>
-              <a:t>12/7/20</a:t>
+              <a:t>5/3/21</a:t>
             </a:fld>
             <a:endParaRPr lang="en-US"/>
           </a:p>
@@ -7643,7 +7643,7 @@
           <a:p>
             <a:fld id="{6700A58B-DD98-43D0-B791-721480A02982}" type="datetime1">
               <a:rPr lang="en-US" smtClean="0"/>
-              <a:t>12/7/20</a:t>
+              <a:t>5/3/21</a:t>
             </a:fld>
             <a:endParaRPr lang="en-US"/>
           </a:p>
@@ -8234,7 +8234,7 @@
           <a:p>
             <a:fld id="{6700A58B-DD98-43D0-B791-721480A02982}" type="datetime1">
               <a:rPr lang="en-US" smtClean="0"/>
-              <a:t>12/7/20</a:t>
+              <a:t>5/3/21</a:t>
             </a:fld>
             <a:endParaRPr lang="en-US"/>
           </a:p>
@@ -8384,7 +8384,7 @@
           <a:p>
             <a:fld id="{6700A58B-DD98-43D0-B791-721480A02982}" type="datetime1">
               <a:rPr lang="en-US" smtClean="0"/>
-              <a:t>12/7/20</a:t>
+              <a:t>5/3/21</a:t>
             </a:fld>
             <a:endParaRPr lang="en-US"/>
           </a:p>
@@ -8759,7 +8759,7 @@
           <a:p>
             <a:fld id="{6700A58B-DD98-43D0-B791-721480A02982}" type="datetime1">
               <a:rPr lang="en-US" smtClean="0"/>
-              <a:t>12/7/20</a:t>
+              <a:t>5/3/21</a:t>
             </a:fld>
             <a:endParaRPr lang="en-US"/>
           </a:p>
@@ -8909,7 +8909,7 @@
           <a:p>
             <a:fld id="{6700A58B-DD98-43D0-B791-721480A02982}" type="datetime1">
               <a:rPr lang="en-US" smtClean="0"/>
-              <a:t>12/7/20</a:t>
+              <a:t>5/3/21</a:t>
             </a:fld>
             <a:endParaRPr lang="en-US"/>
           </a:p>
@@ -9280,7 +9280,7 @@
           <a:p>
             <a:fld id="{6700A58B-DD98-43D0-B791-721480A02982}" type="datetime1">
               <a:rPr lang="en-US" smtClean="0"/>
-              <a:t>12/7/20</a:t>
+              <a:t>5/3/21</a:t>
             </a:fld>
             <a:endParaRPr lang="en-US"/>
           </a:p>
@@ -9430,7 +9430,7 @@
           <a:p>
             <a:fld id="{6700A58B-DD98-43D0-B791-721480A02982}" type="datetime1">
               <a:rPr lang="en-US" smtClean="0"/>
-              <a:t>12/7/20</a:t>
+              <a:t>5/3/21</a:t>
             </a:fld>
             <a:endParaRPr lang="en-US"/>
           </a:p>
@@ -9847,7 +9847,7 @@
           <a:p>
             <a:fld id="{9B19E99B-5349-415A-8E56-8E989211A366}" type="datetime1">
               <a:rPr lang="en-US" smtClean="0"/>
-              <a:t>12/7/20</a:t>
+              <a:t>5/3/21</a:t>
             </a:fld>
             <a:endParaRPr lang="en-US"/>
           </a:p>
@@ -10857,7 +10857,7 @@
           <a:p>
             <a:fld id="{9B19E99B-5349-415A-8E56-8E989211A366}" type="datetime1">
               <a:rPr lang="en-US" smtClean="0"/>
-              <a:t>12/7/20</a:t>
+              <a:t>5/3/21</a:t>
             </a:fld>
             <a:endParaRPr lang="en-US"/>
           </a:p>
@@ -10982,7 +10982,7 @@
           <a:p>
             <a:fld id="{D753EFC8-4232-4598-94F6-94C0EBAFC469}" type="datetime1">
               <a:rPr lang="en-US" smtClean="0"/>
-              <a:t>12/7/20</a:t>
+              <a:t>5/3/21</a:t>
             </a:fld>
             <a:endParaRPr lang="en-US"/>
           </a:p>
@@ -12839,7 +12839,7 @@
           <a:p>
             <a:fld id="{D753EFC8-4232-4598-94F6-94C0EBAFC469}" type="datetime1">
               <a:rPr lang="en-US" smtClean="0"/>
-              <a:t>12/7/20</a:t>
+              <a:t>5/3/21</a:t>
             </a:fld>
             <a:endParaRPr lang="en-US"/>
           </a:p>
@@ -13218,7 +13218,7 @@
           <a:p>
             <a:fld id="{D753EFC8-4232-4598-94F6-94C0EBAFC469}" type="datetime1">
               <a:rPr lang="en-US" smtClean="0"/>
-              <a:t>12/7/20</a:t>
+              <a:t>5/3/21</a:t>
             </a:fld>
             <a:endParaRPr lang="en-US"/>
           </a:p>
@@ -13527,7 +13527,7 @@
             <a:pPr algn="ctr"/>
             <a:r>
               <a:rPr lang="en-US" dirty="0"/>
-              <a:t>Support Criteria = 40% </a:t>
+              <a:t>Support Criteria = 30% </a:t>
             </a:r>
           </a:p>
         </p:txBody>
@@ -13589,7 +13589,7 @@
               <a:buChar char="•"/>
             </a:pPr>
             <a:r>
-              <a:rPr lang="en-US" sz="2400" strike="sngStrike" dirty="0"/>
+              <a:rPr lang="en-US" sz="2400" dirty="0"/>
               <a:t>{Orange} 3/10</a:t>
             </a:r>
           </a:p>
@@ -13815,7 +13815,7 @@
           <a:p>
             <a:fld id="{D753EFC8-4232-4598-94F6-94C0EBAFC469}" type="datetime1">
               <a:rPr lang="en-US" smtClean="0"/>
-              <a:t>12/7/20</a:t>
+              <a:t>5/3/21</a:t>
             </a:fld>
             <a:endParaRPr lang="en-US"/>
           </a:p>
@@ -13900,99 +13900,6 @@
       </p:pic>
       <p:sp>
         <p:nvSpPr>
-          <p:cNvPr id="8" name="TextBox 7"/>
-          <p:cNvSpPr txBox="1"/>
-          <p:nvPr/>
-        </p:nvSpPr>
-        <p:spPr>
-          <a:xfrm>
-            <a:off x="175284" y="4215290"/>
-            <a:ext cx="1809406" cy="369332"/>
-          </a:xfrm>
-          <a:prstGeom prst="rect">
-            <a:avLst/>
-          </a:prstGeom>
-          <a:noFill/>
-        </p:spPr>
-        <p:txBody>
-          <a:bodyPr wrap="none" rtlCol="0">
-            <a:spAutoFit/>
-          </a:bodyPr>
-          <a:lstStyle/>
-          <a:p>
-            <a:r>
-              <a:rPr lang="en-US" dirty="0"/>
-              <a:t>If red then white.</a:t>
-            </a:r>
-          </a:p>
-        </p:txBody>
-      </p:sp>
-      <p:sp>
-        <p:nvSpPr>
-          <p:cNvPr id="9" name="TextBox 8"/>
-          <p:cNvSpPr txBox="1"/>
-          <p:nvPr/>
-        </p:nvSpPr>
-        <p:spPr>
-          <a:xfrm>
-            <a:off x="3286973" y="4215290"/>
-            <a:ext cx="1370888" cy="369332"/>
-          </a:xfrm>
-          <a:prstGeom prst="rect">
-            <a:avLst/>
-          </a:prstGeom>
-          <a:noFill/>
-        </p:spPr>
-        <p:txBody>
-          <a:bodyPr wrap="none" rtlCol="0">
-            <a:spAutoFit/>
-          </a:bodyPr>
-          <a:lstStyle/>
-          <a:p>
-            <a:r>
-              <a:rPr lang="en-US" dirty="0"/>
-              <a:t>40% support</a:t>
-            </a:r>
-          </a:p>
-        </p:txBody>
-      </p:sp>
-      <p:cxnSp>
-        <p:nvCxnSpPr>
-          <p:cNvPr id="11" name="Straight Arrow Connector 10"/>
-          <p:cNvCxnSpPr>
-            <a:endCxn id="9" idx="1"/>
-          </p:cNvCxnSpPr>
-          <p:nvPr/>
-        </p:nvCxnSpPr>
-        <p:spPr>
-          <a:xfrm flipV="1">
-            <a:off x="2278937" y="4399956"/>
-            <a:ext cx="1008036" cy="13648"/>
-          </a:xfrm>
-          <a:prstGeom prst="straightConnector1">
-            <a:avLst/>
-          </a:prstGeom>
-          <a:ln>
-            <a:tailEnd type="triangle"/>
-          </a:ln>
-        </p:spPr>
-        <p:style>
-          <a:lnRef idx="1">
-            <a:schemeClr val="accent1"/>
-          </a:lnRef>
-          <a:fillRef idx="0">
-            <a:schemeClr val="accent1"/>
-          </a:fillRef>
-          <a:effectRef idx="0">
-            <a:schemeClr val="accent1"/>
-          </a:effectRef>
-          <a:fontRef idx="minor">
-            <a:schemeClr val="tx1"/>
-          </a:fontRef>
-        </p:style>
-      </p:cxnSp>
-      <p:sp>
-        <p:nvSpPr>
           <p:cNvPr id="13" name="Oval 12"/>
           <p:cNvSpPr/>
           <p:nvPr/>
@@ -14081,7 +13988,7 @@
             <a:pPr algn="ctr"/>
             <a:r>
               <a:rPr lang="en-US" sz="1400" dirty="0"/>
-              <a:t>If your </a:t>
+              <a:t>With </a:t>
             </a:r>
             <a:r>
               <a:rPr lang="en-US" sz="1400" dirty="0" err="1"/>
@@ -14097,7 +14004,7 @@
             </a:r>
             <a:r>
               <a:rPr lang="en-US" sz="1400" dirty="0"/>
-              <a:t> was 30% not 40% both {red, white} and {white, orange} would move to look for 3 item sets. </a:t>
+              <a:t> at 30% {red, white} and {white, orange} would move to look for 3 item sets. </a:t>
             </a:r>
           </a:p>
           <a:p>
@@ -14157,99 +14064,6 @@
       </p:sp>
       <p:sp>
         <p:nvSpPr>
-          <p:cNvPr id="15" name="TextBox 14"/>
-          <p:cNvSpPr txBox="1"/>
-          <p:nvPr/>
-        </p:nvSpPr>
-        <p:spPr>
-          <a:xfrm>
-            <a:off x="170521" y="4596290"/>
-            <a:ext cx="2147191" cy="369332"/>
-          </a:xfrm>
-          <a:prstGeom prst="rect">
-            <a:avLst/>
-          </a:prstGeom>
-          <a:noFill/>
-        </p:spPr>
-        <p:txBody>
-          <a:bodyPr wrap="none" rtlCol="0">
-            <a:spAutoFit/>
-          </a:bodyPr>
-          <a:lstStyle/>
-          <a:p>
-            <a:r>
-              <a:rPr lang="en-US" dirty="0"/>
-              <a:t>If white then orange.</a:t>
-            </a:r>
-          </a:p>
-        </p:txBody>
-      </p:sp>
-      <p:sp>
-        <p:nvSpPr>
-          <p:cNvPr id="16" name="TextBox 15"/>
-          <p:cNvSpPr txBox="1"/>
-          <p:nvPr/>
-        </p:nvSpPr>
-        <p:spPr>
-          <a:xfrm>
-            <a:off x="3282210" y="4596290"/>
-            <a:ext cx="1370888" cy="369332"/>
-          </a:xfrm>
-          <a:prstGeom prst="rect">
-            <a:avLst/>
-          </a:prstGeom>
-          <a:noFill/>
-        </p:spPr>
-        <p:txBody>
-          <a:bodyPr wrap="none" rtlCol="0">
-            <a:spAutoFit/>
-          </a:bodyPr>
-          <a:lstStyle/>
-          <a:p>
-            <a:r>
-              <a:rPr lang="en-US" dirty="0"/>
-              <a:t>30% support</a:t>
-            </a:r>
-          </a:p>
-        </p:txBody>
-      </p:sp>
-      <p:cxnSp>
-        <p:nvCxnSpPr>
-          <p:cNvPr id="17" name="Straight Arrow Connector 16"/>
-          <p:cNvCxnSpPr>
-            <a:endCxn id="16" idx="1"/>
-          </p:cNvCxnSpPr>
-          <p:nvPr/>
-        </p:nvCxnSpPr>
-        <p:spPr>
-          <a:xfrm flipV="1">
-            <a:off x="2274174" y="4780956"/>
-            <a:ext cx="1008036" cy="13648"/>
-          </a:xfrm>
-          <a:prstGeom prst="straightConnector1">
-            <a:avLst/>
-          </a:prstGeom>
-          <a:ln>
-            <a:tailEnd type="triangle"/>
-          </a:ln>
-        </p:spPr>
-        <p:style>
-          <a:lnRef idx="1">
-            <a:schemeClr val="accent1"/>
-          </a:lnRef>
-          <a:fillRef idx="0">
-            <a:schemeClr val="accent1"/>
-          </a:fillRef>
-          <a:effectRef idx="0">
-            <a:schemeClr val="accent1"/>
-          </a:effectRef>
-          <a:fontRef idx="minor">
-            <a:schemeClr val="tx1"/>
-          </a:fontRef>
-        </p:style>
-      </p:cxnSp>
-      <p:sp>
-        <p:nvSpPr>
           <p:cNvPr id="19" name="Oval 18"/>
           <p:cNvSpPr/>
           <p:nvPr/>
@@ -14508,6 +14322,75 @@
           </a:fontRef>
         </p:style>
       </p:cxnSp>
+      <p:sp>
+        <p:nvSpPr>
+          <p:cNvPr id="22" name="TextBox 21">
+            <a:extLst>
+              <a:ext uri="{FF2B5EF4-FFF2-40B4-BE49-F238E27FC236}">
+                <a16:creationId xmlns:a16="http://schemas.microsoft.com/office/drawing/2014/main" id="{F16A646B-E448-E743-A550-EB56619C7574}"/>
+              </a:ext>
+            </a:extLst>
+          </p:cNvPr>
+          <p:cNvSpPr txBox="1"/>
+          <p:nvPr/>
+        </p:nvSpPr>
+        <p:spPr>
+          <a:xfrm>
+            <a:off x="5468471" y="2133600"/>
+            <a:ext cx="3107582" cy="1569660"/>
+          </a:xfrm>
+          <a:prstGeom prst="rect">
+            <a:avLst/>
+          </a:prstGeom>
+          <a:noFill/>
+        </p:spPr>
+        <p:txBody>
+          <a:bodyPr wrap="none" rtlCol="0">
+            <a:spAutoFit/>
+          </a:bodyPr>
+          <a:lstStyle/>
+          <a:p>
+            <a:pPr marL="285750" indent="-285750">
+              <a:buFont typeface="Arial" panose="020B0604020202020204" pitchFamily="34" charset="0"/>
+              <a:buChar char="•"/>
+            </a:pPr>
+            <a:r>
+              <a:rPr lang="en-US" sz="2400" dirty="0"/>
+              <a:t>{Red/White} 3/10</a:t>
+            </a:r>
+          </a:p>
+          <a:p>
+            <a:pPr marL="285750" indent="-285750">
+              <a:buFont typeface="Arial" panose="020B0604020202020204" pitchFamily="34" charset="0"/>
+              <a:buChar char="•"/>
+            </a:pPr>
+            <a:r>
+              <a:rPr lang="en-US" sz="2400" dirty="0"/>
+              <a:t>{White/Orange} 3/10</a:t>
+            </a:r>
+          </a:p>
+          <a:p>
+            <a:pPr marL="285750" indent="-285750">
+              <a:buFont typeface="Arial" panose="020B0604020202020204" pitchFamily="34" charset="0"/>
+              <a:buChar char="•"/>
+            </a:pPr>
+            <a:r>
+              <a:rPr lang="en-US" sz="2400" dirty="0"/>
+              <a:t>{White/Blue} 4/10</a:t>
+            </a:r>
+          </a:p>
+          <a:p>
+            <a:pPr marL="285750" indent="-285750">
+              <a:buFont typeface="Arial" panose="020B0604020202020204" pitchFamily="34" charset="0"/>
+              <a:buChar char="•"/>
+            </a:pPr>
+            <a:r>
+              <a:rPr lang="en-US" sz="2400" strike="sngStrike" dirty="0"/>
+              <a:t>{Blue/Red}  2/10 </a:t>
+            </a:r>
+          </a:p>
+        </p:txBody>
+      </p:sp>
     </p:spTree>
     <p:extLst>
       <p:ext uri="{BB962C8B-B14F-4D97-AF65-F5344CB8AC3E}">
@@ -14586,7 +14469,7 @@
           <a:p>
             <a:fld id="{D753EFC8-4232-4598-94F6-94C0EBAFC469}" type="datetime1">
               <a:rPr lang="en-US" smtClean="0"/>
-              <a:t>12/7/20</a:t>
+              <a:t>5/3/21</a:t>
             </a:fld>
             <a:endParaRPr lang="en-US"/>
           </a:p>
@@ -14671,107 +14554,14 @@
       </p:pic>
       <p:sp>
         <p:nvSpPr>
-          <p:cNvPr id="8" name="TextBox 7"/>
-          <p:cNvSpPr txBox="1"/>
-          <p:nvPr/>
-        </p:nvSpPr>
-        <p:spPr>
-          <a:xfrm>
-            <a:off x="157348" y="4117306"/>
-            <a:ext cx="1809406" cy="369332"/>
-          </a:xfrm>
-          <a:prstGeom prst="rect">
-            <a:avLst/>
-          </a:prstGeom>
-          <a:noFill/>
-        </p:spPr>
-        <p:txBody>
-          <a:bodyPr wrap="none" rtlCol="0">
-            <a:spAutoFit/>
-          </a:bodyPr>
-          <a:lstStyle/>
-          <a:p>
-            <a:r>
-              <a:rPr lang="en-US" dirty="0"/>
-              <a:t>If red then white.</a:t>
-            </a:r>
-          </a:p>
-        </p:txBody>
-      </p:sp>
-      <p:sp>
-        <p:nvSpPr>
-          <p:cNvPr id="9" name="TextBox 8"/>
-          <p:cNvSpPr txBox="1"/>
-          <p:nvPr/>
-        </p:nvSpPr>
-        <p:spPr>
-          <a:xfrm>
-            <a:off x="3269037" y="4117306"/>
-            <a:ext cx="1370888" cy="369332"/>
-          </a:xfrm>
-          <a:prstGeom prst="rect">
-            <a:avLst/>
-          </a:prstGeom>
-          <a:noFill/>
-        </p:spPr>
-        <p:txBody>
-          <a:bodyPr wrap="none" rtlCol="0">
-            <a:spAutoFit/>
-          </a:bodyPr>
-          <a:lstStyle/>
-          <a:p>
-            <a:r>
-              <a:rPr lang="en-US" dirty="0"/>
-              <a:t>40% support</a:t>
-            </a:r>
-          </a:p>
-        </p:txBody>
-      </p:sp>
-      <p:cxnSp>
-        <p:nvCxnSpPr>
-          <p:cNvPr id="11" name="Straight Arrow Connector 10"/>
-          <p:cNvCxnSpPr>
-            <a:endCxn id="9" idx="1"/>
-          </p:cNvCxnSpPr>
-          <p:nvPr/>
-        </p:nvCxnSpPr>
-        <p:spPr>
-          <a:xfrm flipV="1">
-            <a:off x="2261001" y="4301972"/>
-            <a:ext cx="1008036" cy="13648"/>
-          </a:xfrm>
-          <a:prstGeom prst="straightConnector1">
-            <a:avLst/>
-          </a:prstGeom>
-          <a:ln>
-            <a:tailEnd type="triangle"/>
-          </a:ln>
-        </p:spPr>
-        <p:style>
-          <a:lnRef idx="1">
-            <a:schemeClr val="accent1"/>
-          </a:lnRef>
-          <a:fillRef idx="0">
-            <a:schemeClr val="accent1"/>
-          </a:fillRef>
-          <a:effectRef idx="0">
-            <a:schemeClr val="accent1"/>
-          </a:effectRef>
-          <a:fontRef idx="minor">
-            <a:schemeClr val="tx1"/>
-          </a:fontRef>
-        </p:style>
-      </p:cxnSp>
-      <p:sp>
-        <p:nvSpPr>
           <p:cNvPr id="13" name="Oval 12"/>
           <p:cNvSpPr/>
           <p:nvPr/>
         </p:nvSpPr>
         <p:spPr>
           <a:xfrm>
-            <a:off x="1502889" y="3173448"/>
-            <a:ext cx="1526062" cy="298405"/>
+            <a:off x="1502888" y="3173448"/>
+            <a:ext cx="2229867" cy="318152"/>
           </a:xfrm>
           <a:prstGeom prst="ellipse">
             <a:avLst/>
@@ -14852,21 +14642,21 @@
             <a:pPr algn="ctr"/>
             <a:r>
               <a:rPr lang="en-US" sz="1600" dirty="0"/>
-              <a:t>Since {red, white} and {blue, white} are at 40+% criterion, we should check for three item sets.   </a:t>
-            </a:r>
-          </a:p>
-        </p:txBody>
-      </p:sp>
-      <p:sp>
-        <p:nvSpPr>
-          <p:cNvPr id="12" name="Oval 11"/>
+              <a:t>No 3 item sets have&gt;30% support</a:t>
+            </a:r>
+          </a:p>
+        </p:txBody>
+      </p:sp>
+      <p:sp>
+        <p:nvSpPr>
+          <p:cNvPr id="20" name="Oval 19"/>
           <p:cNvSpPr/>
           <p:nvPr/>
         </p:nvSpPr>
         <p:spPr>
           <a:xfrm>
-            <a:off x="1540989" y="1768521"/>
-            <a:ext cx="1526062" cy="298405"/>
+            <a:off x="1555277" y="3440148"/>
+            <a:ext cx="2177478" cy="301661"/>
           </a:xfrm>
           <a:prstGeom prst="ellipse">
             <a:avLst/>
@@ -14874,7 +14664,7 @@
           <a:noFill/>
           <a:ln w="57150">
             <a:solidFill>
-              <a:srgbClr val="FF0000"/>
+              <a:srgbClr val="00B050"/>
             </a:solidFill>
           </a:ln>
         </p:spPr>
@@ -14905,107 +14695,14 @@
       </p:sp>
       <p:sp>
         <p:nvSpPr>
-          <p:cNvPr id="15" name="TextBox 14"/>
-          <p:cNvSpPr txBox="1"/>
+          <p:cNvPr id="21" name="Oval 20"/>
+          <p:cNvSpPr/>
           <p:nvPr/>
         </p:nvSpPr>
         <p:spPr>
           <a:xfrm>
-            <a:off x="152585" y="4498306"/>
-            <a:ext cx="2147191" cy="369332"/>
-          </a:xfrm>
-          <a:prstGeom prst="rect">
-            <a:avLst/>
-          </a:prstGeom>
-          <a:noFill/>
-        </p:spPr>
-        <p:txBody>
-          <a:bodyPr wrap="none" rtlCol="0">
-            <a:spAutoFit/>
-          </a:bodyPr>
-          <a:lstStyle/>
-          <a:p>
-            <a:r>
-              <a:rPr lang="en-US" dirty="0"/>
-              <a:t>If white then orange.</a:t>
-            </a:r>
-          </a:p>
-        </p:txBody>
-      </p:sp>
-      <p:sp>
-        <p:nvSpPr>
-          <p:cNvPr id="16" name="TextBox 15"/>
-          <p:cNvSpPr txBox="1"/>
-          <p:nvPr/>
-        </p:nvSpPr>
-        <p:spPr>
-          <a:xfrm>
-            <a:off x="3264274" y="4498306"/>
-            <a:ext cx="1370888" cy="369332"/>
-          </a:xfrm>
-          <a:prstGeom prst="rect">
-            <a:avLst/>
-          </a:prstGeom>
-          <a:noFill/>
-        </p:spPr>
-        <p:txBody>
-          <a:bodyPr wrap="none" rtlCol="0">
-            <a:spAutoFit/>
-          </a:bodyPr>
-          <a:lstStyle/>
-          <a:p>
-            <a:r>
-              <a:rPr lang="en-US" dirty="0"/>
-              <a:t>30% support</a:t>
-            </a:r>
-          </a:p>
-        </p:txBody>
-      </p:sp>
-      <p:cxnSp>
-        <p:nvCxnSpPr>
-          <p:cNvPr id="17" name="Straight Arrow Connector 16"/>
-          <p:cNvCxnSpPr>
-            <a:endCxn id="16" idx="1"/>
-          </p:cNvCxnSpPr>
-          <p:nvPr/>
-        </p:nvCxnSpPr>
-        <p:spPr>
-          <a:xfrm flipV="1">
-            <a:off x="2256238" y="4682972"/>
-            <a:ext cx="1008036" cy="13648"/>
-          </a:xfrm>
-          <a:prstGeom prst="straightConnector1">
-            <a:avLst/>
-          </a:prstGeom>
-          <a:ln>
-            <a:tailEnd type="triangle"/>
-          </a:ln>
-        </p:spPr>
-        <p:style>
-          <a:lnRef idx="1">
-            <a:schemeClr val="accent1"/>
-          </a:lnRef>
-          <a:fillRef idx="0">
-            <a:schemeClr val="accent1"/>
-          </a:fillRef>
-          <a:effectRef idx="0">
-            <a:schemeClr val="accent1"/>
-          </a:effectRef>
-          <a:fontRef idx="minor">
-            <a:schemeClr val="tx1"/>
-          </a:fontRef>
-        </p:style>
-      </p:cxnSp>
-      <p:sp>
-        <p:nvSpPr>
-          <p:cNvPr id="19" name="Oval 18"/>
-          <p:cNvSpPr/>
-          <p:nvPr/>
-        </p:nvSpPr>
-        <p:spPr>
-          <a:xfrm>
-            <a:off x="1498126" y="1525623"/>
-            <a:ext cx="1526062" cy="298405"/>
+            <a:off x="1507651" y="2263811"/>
+            <a:ext cx="2225104" cy="333206"/>
           </a:xfrm>
           <a:prstGeom prst="ellipse">
             <a:avLst/>
@@ -15044,24 +14741,18 @@
       </p:sp>
       <p:sp>
         <p:nvSpPr>
-          <p:cNvPr id="20" name="Oval 19"/>
+          <p:cNvPr id="22" name="Rectangle 21"/>
           <p:cNvSpPr/>
           <p:nvPr/>
         </p:nvSpPr>
         <p:spPr>
           <a:xfrm>
-            <a:off x="1555277" y="3440148"/>
-            <a:ext cx="1526062" cy="298405"/>
-          </a:xfrm>
-          <a:prstGeom prst="ellipse">
+            <a:off x="5038164" y="1272989"/>
+            <a:ext cx="2958353" cy="502023"/>
+          </a:xfrm>
+          <a:prstGeom prst="rect">
             <a:avLst/>
           </a:prstGeom>
-          <a:noFill/>
-          <a:ln w="57150">
-            <a:solidFill>
-              <a:srgbClr val="00B050"/>
-            </a:solidFill>
-          </a:ln>
         </p:spPr>
         <p:style>
           <a:lnRef idx="2">
@@ -15084,187 +14775,9 @@
           <a:lstStyle/>
           <a:p>
             <a:pPr algn="ctr"/>
-            <a:endParaRPr lang="en-US"/>
-          </a:p>
-        </p:txBody>
-      </p:sp>
-      <p:sp>
-        <p:nvSpPr>
-          <p:cNvPr id="21" name="Oval 20"/>
-          <p:cNvSpPr/>
-          <p:nvPr/>
-        </p:nvSpPr>
-        <p:spPr>
-          <a:xfrm>
-            <a:off x="1507651" y="2263811"/>
-            <a:ext cx="1526062" cy="298405"/>
-          </a:xfrm>
-          <a:prstGeom prst="ellipse">
-            <a:avLst/>
-          </a:prstGeom>
-          <a:noFill/>
-          <a:ln w="57150">
-            <a:solidFill>
-              <a:srgbClr val="00B050"/>
-            </a:solidFill>
-          </a:ln>
-        </p:spPr>
-        <p:style>
-          <a:lnRef idx="2">
-            <a:schemeClr val="accent1">
-              <a:shade val="50000"/>
-            </a:schemeClr>
-          </a:lnRef>
-          <a:fillRef idx="1">
-            <a:schemeClr val="accent1"/>
-          </a:fillRef>
-          <a:effectRef idx="0">
-            <a:schemeClr val="accent1"/>
-          </a:effectRef>
-          <a:fontRef idx="minor">
-            <a:schemeClr val="lt1"/>
-          </a:fontRef>
-        </p:style>
-        <p:txBody>
-          <a:bodyPr rtlCol="0" anchor="ctr"/>
-          <a:lstStyle/>
-          <a:p>
-            <a:pPr algn="ctr"/>
-            <a:endParaRPr lang="en-US"/>
-          </a:p>
-        </p:txBody>
-      </p:sp>
-      <p:sp>
-        <p:nvSpPr>
-          <p:cNvPr id="23" name="Oval 22"/>
-          <p:cNvSpPr/>
-          <p:nvPr/>
-        </p:nvSpPr>
-        <p:spPr>
-          <a:xfrm>
-            <a:off x="1464789" y="2992485"/>
-            <a:ext cx="1526062" cy="222204"/>
-          </a:xfrm>
-          <a:prstGeom prst="ellipse">
-            <a:avLst/>
-          </a:prstGeom>
-          <a:noFill/>
-          <a:ln w="57150">
-            <a:solidFill>
-              <a:srgbClr val="FF0000"/>
-            </a:solidFill>
-          </a:ln>
-        </p:spPr>
-        <p:style>
-          <a:lnRef idx="2">
-            <a:schemeClr val="accent1">
-              <a:shade val="50000"/>
-            </a:schemeClr>
-          </a:lnRef>
-          <a:fillRef idx="1">
-            <a:schemeClr val="accent1"/>
-          </a:fillRef>
-          <a:effectRef idx="0">
-            <a:schemeClr val="accent1"/>
-          </a:effectRef>
-          <a:fontRef idx="minor">
-            <a:schemeClr val="lt1"/>
-          </a:fontRef>
-        </p:style>
-        <p:txBody>
-          <a:bodyPr rtlCol="0" anchor="ctr"/>
-          <a:lstStyle/>
-          <a:p>
-            <a:pPr algn="ctr"/>
-            <a:endParaRPr lang="en-US"/>
-          </a:p>
-        </p:txBody>
-      </p:sp>
-      <p:sp>
-        <p:nvSpPr>
-          <p:cNvPr id="24" name="Oval 23"/>
-          <p:cNvSpPr/>
-          <p:nvPr/>
-        </p:nvSpPr>
-        <p:spPr>
-          <a:xfrm>
-            <a:off x="2350614" y="2278109"/>
-            <a:ext cx="1526062" cy="298405"/>
-          </a:xfrm>
-          <a:prstGeom prst="ellipse">
-            <a:avLst/>
-          </a:prstGeom>
-          <a:noFill/>
-          <a:ln w="57150">
-            <a:solidFill>
-              <a:srgbClr val="FF0000"/>
-            </a:solidFill>
-          </a:ln>
-        </p:spPr>
-        <p:style>
-          <a:lnRef idx="2">
-            <a:schemeClr val="accent1">
-              <a:shade val="50000"/>
-            </a:schemeClr>
-          </a:lnRef>
-          <a:fillRef idx="1">
-            <a:schemeClr val="accent1"/>
-          </a:fillRef>
-          <a:effectRef idx="0">
-            <a:schemeClr val="accent1"/>
-          </a:effectRef>
-          <a:fontRef idx="minor">
-            <a:schemeClr val="lt1"/>
-          </a:fontRef>
-        </p:style>
-        <p:txBody>
-          <a:bodyPr rtlCol="0" anchor="ctr"/>
-          <a:lstStyle/>
-          <a:p>
-            <a:pPr algn="ctr"/>
-            <a:endParaRPr lang="en-US"/>
-          </a:p>
-        </p:txBody>
-      </p:sp>
-      <p:sp>
-        <p:nvSpPr>
-          <p:cNvPr id="22" name="Rectangle 21"/>
-          <p:cNvSpPr/>
-          <p:nvPr/>
-        </p:nvSpPr>
-        <p:spPr>
-          <a:xfrm>
-            <a:off x="5038164" y="1272989"/>
-            <a:ext cx="2958353" cy="502023"/>
-          </a:xfrm>
-          <a:prstGeom prst="rect">
-            <a:avLst/>
-          </a:prstGeom>
-        </p:spPr>
-        <p:style>
-          <a:lnRef idx="2">
-            <a:schemeClr val="accent1">
-              <a:shade val="50000"/>
-            </a:schemeClr>
-          </a:lnRef>
-          <a:fillRef idx="1">
-            <a:schemeClr val="accent1"/>
-          </a:fillRef>
-          <a:effectRef idx="0">
-            <a:schemeClr val="accent1"/>
-          </a:effectRef>
-          <a:fontRef idx="minor">
-            <a:schemeClr val="lt1"/>
-          </a:fontRef>
-        </p:style>
-        <p:txBody>
-          <a:bodyPr rtlCol="0" anchor="ctr"/>
-          <a:lstStyle/>
-          <a:p>
-            <a:pPr algn="ctr"/>
             <a:r>
               <a:rPr lang="en-US" dirty="0"/>
-              <a:t>Support Criteria = 40% </a:t>
+              <a:t>Support Criteria = 30% </a:t>
             </a:r>
           </a:p>
         </p:txBody>
@@ -15278,7 +14791,7 @@
         <p:spPr>
           <a:xfrm>
             <a:off x="5468471" y="2133600"/>
-            <a:ext cx="3107582" cy="1938992"/>
+            <a:ext cx="3543919" cy="830997"/>
           </a:xfrm>
           <a:prstGeom prst="rect">
             <a:avLst/>
@@ -15296,12 +14809,8 @@
               <a:buChar char="•"/>
             </a:pPr>
             <a:r>
-              <a:rPr lang="en-US" sz="2400" dirty="0">
-                <a:solidFill>
-                  <a:srgbClr val="00B050"/>
-                </a:solidFill>
-              </a:rPr>
-              <a:t>{Red/White} 4/10</a:t>
+              <a:rPr lang="en-US" sz="2400" strike="sngStrike" dirty="0"/>
+              <a:t>{red/white/orange} 1/10</a:t>
             </a:r>
           </a:p>
           <a:p>
@@ -15310,46 +14819,8 @@
               <a:buChar char="•"/>
             </a:pPr>
             <a:r>
-              <a:rPr lang="en-US" sz="2400" strike="sngStrike" dirty="0">
-                <a:solidFill>
-                  <a:srgbClr val="FF0000"/>
-                </a:solidFill>
-              </a:rPr>
-              <a:t>{White/Orange} 3/10</a:t>
-            </a:r>
-          </a:p>
-          <a:p>
-            <a:pPr marL="285750" indent="-285750">
-              <a:buFont typeface="Arial" panose="020B0604020202020204" pitchFamily="34" charset="0"/>
-              <a:buChar char="•"/>
-            </a:pPr>
-            <a:r>
-              <a:rPr lang="en-US" sz="2400" dirty="0">
-                <a:solidFill>
-                  <a:srgbClr val="FFC000"/>
-                </a:solidFill>
-              </a:rPr>
-              <a:t>{Blue/White} 4/10</a:t>
-            </a:r>
-          </a:p>
-          <a:p>
-            <a:pPr marL="285750" indent="-285750">
-              <a:buFont typeface="Arial" panose="020B0604020202020204" pitchFamily="34" charset="0"/>
-              <a:buChar char="•"/>
-            </a:pPr>
-            <a:r>
               <a:rPr lang="en-US" sz="2400" strike="sngStrike" dirty="0"/>
-              <a:t>{Red/Blue} 3/10</a:t>
-            </a:r>
-          </a:p>
-          <a:p>
-            <a:pPr marL="285750" indent="-285750">
-              <a:buFont typeface="Arial" panose="020B0604020202020204" pitchFamily="34" charset="0"/>
-              <a:buChar char="•"/>
-            </a:pPr>
-            <a:r>
-              <a:rPr lang="en-US" sz="2400" dirty="0"/>
-              <a:t>…</a:t>
+              <a:t>{red/white/blue} 2/10</a:t>
             </a:r>
           </a:p>
         </p:txBody>
@@ -15368,325 +14839,6 @@
           <a:prstGeom prst="line">
             <a:avLst/>
           </a:prstGeom>
-        </p:spPr>
-        <p:style>
-          <a:lnRef idx="1">
-            <a:schemeClr val="accent1"/>
-          </a:lnRef>
-          <a:fillRef idx="0">
-            <a:schemeClr val="accent1"/>
-          </a:fillRef>
-          <a:effectRef idx="0">
-            <a:schemeClr val="accent1"/>
-          </a:effectRef>
-          <a:fontRef idx="minor">
-            <a:schemeClr val="tx1"/>
-          </a:fontRef>
-        </p:style>
-      </p:cxnSp>
-      <p:sp>
-        <p:nvSpPr>
-          <p:cNvPr id="27" name="Oval 26">
-            <a:extLst>
-              <a:ext uri="{FF2B5EF4-FFF2-40B4-BE49-F238E27FC236}">
-                <a16:creationId xmlns:a16="http://schemas.microsoft.com/office/drawing/2014/main" id="{212297C7-413E-0B48-B819-4DBD469C61EA}"/>
-              </a:ext>
-            </a:extLst>
-          </p:cNvPr>
-          <p:cNvSpPr/>
-          <p:nvPr/>
-        </p:nvSpPr>
-        <p:spPr>
-          <a:xfrm>
-            <a:off x="1547495" y="1987116"/>
-            <a:ext cx="1526062" cy="298405"/>
-          </a:xfrm>
-          <a:prstGeom prst="ellipse">
-            <a:avLst/>
-          </a:prstGeom>
-          <a:noFill/>
-          <a:ln w="57150">
-            <a:solidFill>
-              <a:srgbClr val="FFC000"/>
-            </a:solidFill>
-          </a:ln>
-        </p:spPr>
-        <p:style>
-          <a:lnRef idx="2">
-            <a:schemeClr val="accent1">
-              <a:shade val="50000"/>
-            </a:schemeClr>
-          </a:lnRef>
-          <a:fillRef idx="1">
-            <a:schemeClr val="accent1"/>
-          </a:fillRef>
-          <a:effectRef idx="0">
-            <a:schemeClr val="accent1"/>
-          </a:effectRef>
-          <a:fontRef idx="minor">
-            <a:schemeClr val="lt1"/>
-          </a:fontRef>
-        </p:style>
-        <p:txBody>
-          <a:bodyPr rtlCol="0" anchor="ctr"/>
-          <a:lstStyle/>
-          <a:p>
-            <a:pPr algn="ctr"/>
-            <a:endParaRPr lang="en-US"/>
-          </a:p>
-        </p:txBody>
-      </p:sp>
-      <p:sp>
-        <p:nvSpPr>
-          <p:cNvPr id="28" name="Oval 27">
-            <a:extLst>
-              <a:ext uri="{FF2B5EF4-FFF2-40B4-BE49-F238E27FC236}">
-                <a16:creationId xmlns:a16="http://schemas.microsoft.com/office/drawing/2014/main" id="{E4632D12-44BD-B846-94D2-C03472662078}"/>
-              </a:ext>
-            </a:extLst>
-          </p:cNvPr>
-          <p:cNvSpPr/>
-          <p:nvPr/>
-        </p:nvSpPr>
-        <p:spPr>
-          <a:xfrm>
-            <a:off x="1545348" y="2706188"/>
-            <a:ext cx="1526062" cy="298405"/>
-          </a:xfrm>
-          <a:prstGeom prst="ellipse">
-            <a:avLst/>
-          </a:prstGeom>
-          <a:noFill/>
-          <a:ln w="57150">
-            <a:solidFill>
-              <a:srgbClr val="FFC000"/>
-            </a:solidFill>
-          </a:ln>
-        </p:spPr>
-        <p:style>
-          <a:lnRef idx="2">
-            <a:schemeClr val="accent1">
-              <a:shade val="50000"/>
-            </a:schemeClr>
-          </a:lnRef>
-          <a:fillRef idx="1">
-            <a:schemeClr val="accent1"/>
-          </a:fillRef>
-          <a:effectRef idx="0">
-            <a:schemeClr val="accent1"/>
-          </a:effectRef>
-          <a:fontRef idx="minor">
-            <a:schemeClr val="lt1"/>
-          </a:fontRef>
-        </p:style>
-        <p:txBody>
-          <a:bodyPr rtlCol="0" anchor="ctr"/>
-          <a:lstStyle/>
-          <a:p>
-            <a:pPr algn="ctr"/>
-            <a:endParaRPr lang="en-US"/>
-          </a:p>
-        </p:txBody>
-      </p:sp>
-      <p:sp>
-        <p:nvSpPr>
-          <p:cNvPr id="29" name="Oval 28">
-            <a:extLst>
-              <a:ext uri="{FF2B5EF4-FFF2-40B4-BE49-F238E27FC236}">
-                <a16:creationId xmlns:a16="http://schemas.microsoft.com/office/drawing/2014/main" id="{85A03930-C9CA-7544-A613-237153345025}"/>
-              </a:ext>
-            </a:extLst>
-          </p:cNvPr>
-          <p:cNvSpPr/>
-          <p:nvPr/>
-        </p:nvSpPr>
-        <p:spPr>
-          <a:xfrm>
-            <a:off x="2240808" y="3169825"/>
-            <a:ext cx="1526062" cy="298405"/>
-          </a:xfrm>
-          <a:prstGeom prst="ellipse">
-            <a:avLst/>
-          </a:prstGeom>
-          <a:noFill/>
-          <a:ln w="57150">
-            <a:solidFill>
-              <a:srgbClr val="FFC000"/>
-            </a:solidFill>
-          </a:ln>
-        </p:spPr>
-        <p:style>
-          <a:lnRef idx="2">
-            <a:schemeClr val="accent1">
-              <a:shade val="50000"/>
-            </a:schemeClr>
-          </a:lnRef>
-          <a:fillRef idx="1">
-            <a:schemeClr val="accent1"/>
-          </a:fillRef>
-          <a:effectRef idx="0">
-            <a:schemeClr val="accent1"/>
-          </a:effectRef>
-          <a:fontRef idx="minor">
-            <a:schemeClr val="lt1"/>
-          </a:fontRef>
-        </p:style>
-        <p:txBody>
-          <a:bodyPr rtlCol="0" anchor="ctr"/>
-          <a:lstStyle/>
-          <a:p>
-            <a:pPr algn="ctr"/>
-            <a:endParaRPr lang="en-US"/>
-          </a:p>
-        </p:txBody>
-      </p:sp>
-      <p:sp>
-        <p:nvSpPr>
-          <p:cNvPr id="30" name="Oval 29">
-            <a:extLst>
-              <a:ext uri="{FF2B5EF4-FFF2-40B4-BE49-F238E27FC236}">
-                <a16:creationId xmlns:a16="http://schemas.microsoft.com/office/drawing/2014/main" id="{32BFBEE8-5815-BD44-8BB0-4F7F5DC0F224}"/>
-              </a:ext>
-            </a:extLst>
-          </p:cNvPr>
-          <p:cNvSpPr/>
-          <p:nvPr/>
-        </p:nvSpPr>
-        <p:spPr>
-          <a:xfrm>
-            <a:off x="2330960" y="3414523"/>
-            <a:ext cx="1526062" cy="298405"/>
-          </a:xfrm>
-          <a:prstGeom prst="ellipse">
-            <a:avLst/>
-          </a:prstGeom>
-          <a:noFill/>
-          <a:ln w="57150">
-            <a:solidFill>
-              <a:srgbClr val="FFC000"/>
-            </a:solidFill>
-          </a:ln>
-        </p:spPr>
-        <p:style>
-          <a:lnRef idx="2">
-            <a:schemeClr val="accent1">
-              <a:shade val="50000"/>
-            </a:schemeClr>
-          </a:lnRef>
-          <a:fillRef idx="1">
-            <a:schemeClr val="accent1"/>
-          </a:fillRef>
-          <a:effectRef idx="0">
-            <a:schemeClr val="accent1"/>
-          </a:effectRef>
-          <a:fontRef idx="minor">
-            <a:schemeClr val="lt1"/>
-          </a:fontRef>
-        </p:style>
-        <p:txBody>
-          <a:bodyPr rtlCol="0" anchor="ctr"/>
-          <a:lstStyle/>
-          <a:p>
-            <a:pPr algn="ctr"/>
-            <a:endParaRPr lang="en-US"/>
-          </a:p>
-        </p:txBody>
-      </p:sp>
-      <p:sp>
-        <p:nvSpPr>
-          <p:cNvPr id="31" name="TextBox 30">
-            <a:extLst>
-              <a:ext uri="{FF2B5EF4-FFF2-40B4-BE49-F238E27FC236}">
-                <a16:creationId xmlns:a16="http://schemas.microsoft.com/office/drawing/2014/main" id="{183340FE-87EE-EF42-ACAC-B683EBF79FD7}"/>
-              </a:ext>
-            </a:extLst>
-          </p:cNvPr>
-          <p:cNvSpPr txBox="1"/>
-          <p:nvPr/>
-        </p:nvSpPr>
-        <p:spPr>
-          <a:xfrm>
-            <a:off x="168079" y="4862135"/>
-            <a:ext cx="1906997" cy="369332"/>
-          </a:xfrm>
-          <a:prstGeom prst="rect">
-            <a:avLst/>
-          </a:prstGeom>
-          <a:noFill/>
-        </p:spPr>
-        <p:txBody>
-          <a:bodyPr wrap="none" rtlCol="0">
-            <a:spAutoFit/>
-          </a:bodyPr>
-          <a:lstStyle/>
-          <a:p>
-            <a:r>
-              <a:rPr lang="en-US" dirty="0"/>
-              <a:t>If white then blue.</a:t>
-            </a:r>
-          </a:p>
-        </p:txBody>
-      </p:sp>
-      <p:sp>
-        <p:nvSpPr>
-          <p:cNvPr id="32" name="TextBox 31">
-            <a:extLst>
-              <a:ext uri="{FF2B5EF4-FFF2-40B4-BE49-F238E27FC236}">
-                <a16:creationId xmlns:a16="http://schemas.microsoft.com/office/drawing/2014/main" id="{DC965D1B-596D-0542-AEB1-3E83D977A356}"/>
-              </a:ext>
-            </a:extLst>
-          </p:cNvPr>
-          <p:cNvSpPr txBox="1"/>
-          <p:nvPr/>
-        </p:nvSpPr>
-        <p:spPr>
-          <a:xfrm>
-            <a:off x="3279768" y="4862135"/>
-            <a:ext cx="1370888" cy="369332"/>
-          </a:xfrm>
-          <a:prstGeom prst="rect">
-            <a:avLst/>
-          </a:prstGeom>
-          <a:noFill/>
-        </p:spPr>
-        <p:txBody>
-          <a:bodyPr wrap="none" rtlCol="0">
-            <a:spAutoFit/>
-          </a:bodyPr>
-          <a:lstStyle/>
-          <a:p>
-            <a:r>
-              <a:rPr lang="en-US" dirty="0"/>
-              <a:t>40% support</a:t>
-            </a:r>
-          </a:p>
-        </p:txBody>
-      </p:sp>
-      <p:cxnSp>
-        <p:nvCxnSpPr>
-          <p:cNvPr id="33" name="Straight Arrow Connector 32">
-            <a:extLst>
-              <a:ext uri="{FF2B5EF4-FFF2-40B4-BE49-F238E27FC236}">
-                <a16:creationId xmlns:a16="http://schemas.microsoft.com/office/drawing/2014/main" id="{037750AC-E686-4849-BAAA-28216648BB04}"/>
-              </a:ext>
-            </a:extLst>
-          </p:cNvPr>
-          <p:cNvCxnSpPr>
-            <a:endCxn id="32" idx="1"/>
-          </p:cNvCxnSpPr>
-          <p:nvPr/>
-        </p:nvCxnSpPr>
-        <p:spPr>
-          <a:xfrm flipV="1">
-            <a:off x="2271732" y="5046801"/>
-            <a:ext cx="1008036" cy="13648"/>
-          </a:xfrm>
-          <a:prstGeom prst="straightConnector1">
-            <a:avLst/>
-          </a:prstGeom>
-          <a:ln>
-            <a:tailEnd type="triangle"/>
-          </a:ln>
         </p:spPr>
         <p:style>
           <a:lnRef idx="1">
@@ -15781,7 +14933,7 @@
           <a:p>
             <a:fld id="{D753EFC8-4232-4598-94F6-94C0EBAFC469}" type="datetime1">
               <a:rPr lang="en-US" smtClean="0"/>
-              <a:t>12/7/20</a:t>
+              <a:t>5/3/21</a:t>
             </a:fld>
             <a:endParaRPr lang="en-US"/>
           </a:p>
@@ -15866,99 +15018,6 @@
       </p:pic>
       <p:sp>
         <p:nvSpPr>
-          <p:cNvPr id="8" name="TextBox 7"/>
-          <p:cNvSpPr txBox="1"/>
-          <p:nvPr/>
-        </p:nvSpPr>
-        <p:spPr>
-          <a:xfrm>
-            <a:off x="-64524" y="4040745"/>
-            <a:ext cx="2384884" cy="369332"/>
-          </a:xfrm>
-          <a:prstGeom prst="rect">
-            <a:avLst/>
-          </a:prstGeom>
-          <a:noFill/>
-        </p:spPr>
-        <p:txBody>
-          <a:bodyPr wrap="none" rtlCol="0">
-            <a:spAutoFit/>
-          </a:bodyPr>
-          <a:lstStyle/>
-          <a:p>
-            <a:r>
-              <a:rPr lang="en-US" dirty="0"/>
-              <a:t>If red , white then blue.</a:t>
-            </a:r>
-          </a:p>
-        </p:txBody>
-      </p:sp>
-      <p:sp>
-        <p:nvSpPr>
-          <p:cNvPr id="9" name="TextBox 8"/>
-          <p:cNvSpPr txBox="1"/>
-          <p:nvPr/>
-        </p:nvSpPr>
-        <p:spPr>
-          <a:xfrm>
-            <a:off x="3466267" y="4040745"/>
-            <a:ext cx="1370888" cy="369332"/>
-          </a:xfrm>
-          <a:prstGeom prst="rect">
-            <a:avLst/>
-          </a:prstGeom>
-          <a:noFill/>
-        </p:spPr>
-        <p:txBody>
-          <a:bodyPr wrap="none" rtlCol="0">
-            <a:spAutoFit/>
-          </a:bodyPr>
-          <a:lstStyle/>
-          <a:p>
-            <a:r>
-              <a:rPr lang="en-US" dirty="0"/>
-              <a:t>20% support</a:t>
-            </a:r>
-          </a:p>
-        </p:txBody>
-      </p:sp>
-      <p:cxnSp>
-        <p:nvCxnSpPr>
-          <p:cNvPr id="11" name="Straight Arrow Connector 10"/>
-          <p:cNvCxnSpPr>
-            <a:endCxn id="9" idx="1"/>
-          </p:cNvCxnSpPr>
-          <p:nvPr/>
-        </p:nvCxnSpPr>
-        <p:spPr>
-          <a:xfrm flipV="1">
-            <a:off x="2458231" y="4225411"/>
-            <a:ext cx="1008036" cy="13648"/>
-          </a:xfrm>
-          <a:prstGeom prst="straightConnector1">
-            <a:avLst/>
-          </a:prstGeom>
-          <a:ln>
-            <a:tailEnd type="triangle"/>
-          </a:ln>
-        </p:spPr>
-        <p:style>
-          <a:lnRef idx="1">
-            <a:schemeClr val="accent1"/>
-          </a:lnRef>
-          <a:fillRef idx="0">
-            <a:schemeClr val="accent1"/>
-          </a:fillRef>
-          <a:effectRef idx="0">
-            <a:schemeClr val="accent1"/>
-          </a:effectRef>
-          <a:fontRef idx="minor">
-            <a:schemeClr val="tx1"/>
-          </a:fontRef>
-        </p:style>
-      </p:cxnSp>
-      <p:sp>
-        <p:nvSpPr>
           <p:cNvPr id="13" name="Oval 12"/>
           <p:cNvSpPr/>
           <p:nvPr/>
@@ -16047,7 +15106,7 @@
             <a:pPr algn="ctr"/>
             <a:r>
               <a:rPr lang="en-US" dirty="0"/>
-              <a:t>You only check rules that are still in the pool, so no sets with {yellow} or with {white, orange} which were knocked out earlier.  </a:t>
+              <a:t>You only check rules that are still in the pool, so no sets with {yellow} or with {white, orange} which were knocked out earlier.  Since there are no 3 item sets then you also don’t need 4 item sets.</a:t>
             </a:r>
             <a:endParaRPr lang="en-US" i="1" dirty="0"/>
           </a:p>
@@ -16138,7 +15197,7 @@
             <a:pPr algn="ctr"/>
             <a:r>
               <a:rPr lang="en-US" dirty="0"/>
-              <a:t>Support Criteria = 40% </a:t>
+              <a:t>Support Criteria = 30% </a:t>
             </a:r>
           </a:p>
         </p:txBody>
@@ -16579,7 +15638,7 @@
           <a:p>
             <a:fld id="{9B19E99B-5349-415A-8E56-8E989211A366}" type="datetime1">
               <a:rPr lang="en-US" smtClean="0"/>
-              <a:t>12/7/20</a:t>
+              <a:t>5/3/21</a:t>
             </a:fld>
             <a:endParaRPr lang="en-US"/>
           </a:p>
@@ -16871,7 +15930,7 @@
           <a:p>
             <a:fld id="{6700A58B-DD98-43D0-B791-721480A02982}" type="datetime1">
               <a:rPr lang="en-US" smtClean="0"/>
-              <a:t>12/7/20</a:t>
+              <a:t>5/3/21</a:t>
             </a:fld>
             <a:endParaRPr lang="en-US"/>
           </a:p>
@@ -17020,7 +16079,7 @@
           <a:p>
             <a:fld id="{6700A58B-DD98-43D0-B791-721480A02982}" type="datetime1">
               <a:rPr lang="en-US" smtClean="0"/>
-              <a:t>12/7/20</a:t>
+              <a:t>5/3/21</a:t>
             </a:fld>
             <a:endParaRPr lang="en-US"/>
           </a:p>
@@ -17927,7 +16986,7 @@
           <a:p>
             <a:fld id="{6700A58B-DD98-43D0-B791-721480A02982}" type="datetime1">
               <a:rPr lang="en-US" smtClean="0"/>
-              <a:t>12/7/20</a:t>
+              <a:t>5/3/21</a:t>
             </a:fld>
             <a:endParaRPr lang="en-US"/>
           </a:p>
@@ -19120,7 +18179,7 @@
           <a:p>
             <a:fld id="{6700A58B-DD98-43D0-B791-721480A02982}" type="datetime1">
               <a:rPr lang="en-US" smtClean="0"/>
-              <a:t>12/7/20</a:t>
+              <a:t>5/3/21</a:t>
             </a:fld>
             <a:endParaRPr lang="en-US"/>
           </a:p>
@@ -20425,7 +19484,7 @@
           <a:p>
             <a:fld id="{6700A58B-DD98-43D0-B791-721480A02982}" type="datetime1">
               <a:rPr lang="en-US" smtClean="0"/>
-              <a:t>12/7/20</a:t>
+              <a:t>5/3/21</a:t>
             </a:fld>
             <a:endParaRPr lang="en-US"/>
           </a:p>
@@ -21564,7 +20623,7 @@
           <a:p>
             <a:fld id="{6700A58B-DD98-43D0-B791-721480A02982}" type="datetime1">
               <a:rPr lang="en-US" smtClean="0"/>
-              <a:t>12/7/20</a:t>
+              <a:t>5/3/21</a:t>
             </a:fld>
             <a:endParaRPr lang="en-US"/>
           </a:p>
@@ -21864,7 +20923,7 @@
           <a:p>
             <a:fld id="{6700A58B-DD98-43D0-B791-721480A02982}" type="datetime1">
               <a:rPr lang="en-US" smtClean="0"/>
-              <a:t>12/7/20</a:t>
+              <a:t>5/3/21</a:t>
             </a:fld>
             <a:endParaRPr lang="en-US"/>
           </a:p>
@@ -22458,7 +21517,7 @@
           <a:p>
             <a:fld id="{D753EFC8-4232-4598-94F6-94C0EBAFC469}" type="datetime1">
               <a:rPr lang="en-US" smtClean="0"/>
-              <a:t>12/7/20</a:t>
+              <a:t>5/3/21</a:t>
             </a:fld>
             <a:endParaRPr lang="en-US"/>
           </a:p>
@@ -23428,7 +22487,7 @@
           <a:p>
             <a:fld id="{D753EFC8-4232-4598-94F6-94C0EBAFC469}" type="datetime1">
               <a:rPr lang="en-US" smtClean="0"/>
-              <a:t>12/7/20</a:t>
+              <a:t>5/3/21</a:t>
             </a:fld>
             <a:endParaRPr lang="en-US"/>
           </a:p>
@@ -26995,7 +26054,7 @@
           <a:p>
             <a:fld id="{9B19E99B-5349-415A-8E56-8E989211A366}" type="datetime1">
               <a:rPr lang="en-US" smtClean="0"/>
-              <a:t>12/7/20</a:t>
+              <a:t>5/3/21</a:t>
             </a:fld>
             <a:endParaRPr lang="en-US"/>
           </a:p>
@@ -27682,7 +26741,7 @@
           <a:p>
             <a:fld id="{D753EFC8-4232-4598-94F6-94C0EBAFC469}" type="datetime1">
               <a:rPr lang="en-US" smtClean="0"/>
-              <a:t>12/7/20</a:t>
+              <a:t>5/3/21</a:t>
             </a:fld>
             <a:endParaRPr lang="en-US"/>
           </a:p>
@@ -28740,7 +27799,7 @@
           <a:p>
             <a:fld id="{6700A58B-DD98-43D0-B791-721480A02982}" type="datetime1">
               <a:rPr lang="en-US" smtClean="0"/>
-              <a:t>12/7/20</a:t>
+              <a:t>5/3/21</a:t>
             </a:fld>
             <a:endParaRPr lang="en-US"/>
           </a:p>
@@ -29014,7 +28073,7 @@
           <a:p>
             <a:fld id="{D753EFC8-4232-4598-94F6-94C0EBAFC469}" type="datetime1">
               <a:rPr lang="en-US" smtClean="0"/>
-              <a:t>12/7/20</a:t>
+              <a:t>5/3/21</a:t>
             </a:fld>
             <a:endParaRPr lang="en-US" dirty="0"/>
           </a:p>
@@ -29281,7 +28340,7 @@
           <a:p>
             <a:fld id="{D753EFC8-4232-4598-94F6-94C0EBAFC469}" type="datetime1">
               <a:rPr lang="en-US" smtClean="0"/>
-              <a:t>12/7/20</a:t>
+              <a:t>5/3/21</a:t>
             </a:fld>
             <a:endParaRPr lang="en-US" dirty="0"/>
           </a:p>
@@ -29451,7 +28510,7 @@
           <a:p>
             <a:fld id="{D753EFC8-4232-4598-94F6-94C0EBAFC469}" type="datetime1">
               <a:rPr lang="en-US" smtClean="0"/>
-              <a:t>12/7/20</a:t>
+              <a:t>5/3/21</a:t>
             </a:fld>
             <a:endParaRPr lang="en-US" dirty="0"/>
           </a:p>
@@ -29591,7 +28650,7 @@
           <a:p>
             <a:fld id="{6700A58B-DD98-43D0-B791-721480A02982}" type="datetime1">
               <a:rPr lang="en-US" smtClean="0"/>
-              <a:t>12/7/20</a:t>
+              <a:t>5/3/21</a:t>
             </a:fld>
             <a:endParaRPr lang="en-US"/>
           </a:p>
@@ -29990,7 +29049,7 @@
           <a:p>
             <a:fld id="{6700A58B-DD98-43D0-B791-721480A02982}" type="datetime1">
               <a:rPr lang="en-US" smtClean="0"/>
-              <a:t>12/7/20</a:t>
+              <a:t>5/3/21</a:t>
             </a:fld>
             <a:endParaRPr lang="en-US"/>
           </a:p>
@@ -30201,7 +29260,7 @@
           <a:p>
             <a:fld id="{6700A58B-DD98-43D0-B791-721480A02982}" type="datetime1">
               <a:rPr lang="en-US" smtClean="0"/>
-              <a:t>12/7/20</a:t>
+              <a:t>5/3/21</a:t>
             </a:fld>
             <a:endParaRPr lang="en-US"/>
           </a:p>
